--- a/Microsoft Fabric/Data - The Fabric Of Our Lives/20231214 - Kansas City SQL Server UG - Data - The Fabric Of Our Lives.pptx
+++ b/Microsoft Fabric/Data - The Fabric Of Our Lives/20231214 - Kansas City SQL Server UG - Data - The Fabric Of Our Lives.pptx
@@ -9910,7 +9910,7 @@
         </p:blipFill>
         <p:spPr>
           <a:xfrm>
-            <a:off x="0" y="0"/>
+            <a:off x="-250166" y="1"/>
             <a:ext cx="12192000" cy="6857999"/>
           </a:xfrm>
           <a:prstGeom prst="rect">
